--- a/視窗程式設計期末.pptx
+++ b/視窗程式設計期末.pptx
@@ -114,6 +114,11 @@
       </a:defRPr>
     </a:lvl9pPr>
   </p:defaultTextStyle>
+  <p:extLst>
+    <p:ext uri="{EFAFB233-063F-42B5-8137-9DF3F51BA10A}">
+      <p15:sldGuideLst xmlns:p15="http://schemas.microsoft.com/office/powerpoint/2012/main"/>
+    </p:ext>
+  </p:extLst>
 </p:presentation>
 </file>
 
@@ -479,7 +484,7 @@
           <a:p>
             <a:fld id="{E013691C-8798-4279-96DE-5BDD4CCC38DB}" type="datetimeFigureOut">
               <a:rPr lang="zh-TW" altLang="en-US" smtClean="0"/>
-              <a:t>2025/1/5</a:t>
+              <a:t>2025/1/6</a:t>
             </a:fld>
             <a:endParaRPr lang="zh-TW" altLang="en-US"/>
           </a:p>
@@ -980,7 +985,7 @@
           <a:p>
             <a:fld id="{CA1AE8AC-2A7D-4E70-B7DE-C17D242DA6D2}" type="datetimeFigureOut">
               <a:rPr lang="zh-TW" altLang="en-US" smtClean="0"/>
-              <a:t>2025/1/5</a:t>
+              <a:t>2025/1/6</a:t>
             </a:fld>
             <a:endParaRPr lang="zh-TW" altLang="en-US"/>
           </a:p>
@@ -1178,7 +1183,7 @@
           <a:p>
             <a:fld id="{CA1AE8AC-2A7D-4E70-B7DE-C17D242DA6D2}" type="datetimeFigureOut">
               <a:rPr lang="zh-TW" altLang="en-US" smtClean="0"/>
-              <a:t>2025/1/5</a:t>
+              <a:t>2025/1/6</a:t>
             </a:fld>
             <a:endParaRPr lang="zh-TW" altLang="en-US"/>
           </a:p>
@@ -1386,7 +1391,7 @@
           <a:p>
             <a:fld id="{CA1AE8AC-2A7D-4E70-B7DE-C17D242DA6D2}" type="datetimeFigureOut">
               <a:rPr lang="zh-TW" altLang="en-US" smtClean="0"/>
-              <a:t>2025/1/5</a:t>
+              <a:t>2025/1/6</a:t>
             </a:fld>
             <a:endParaRPr lang="zh-TW" altLang="en-US"/>
           </a:p>
@@ -1584,7 +1589,7 @@
           <a:p>
             <a:fld id="{CA1AE8AC-2A7D-4E70-B7DE-C17D242DA6D2}" type="datetimeFigureOut">
               <a:rPr lang="zh-TW" altLang="en-US" smtClean="0"/>
-              <a:t>2025/1/5</a:t>
+              <a:t>2025/1/6</a:t>
             </a:fld>
             <a:endParaRPr lang="zh-TW" altLang="en-US"/>
           </a:p>
@@ -1859,7 +1864,7 @@
           <a:p>
             <a:fld id="{CA1AE8AC-2A7D-4E70-B7DE-C17D242DA6D2}" type="datetimeFigureOut">
               <a:rPr lang="zh-TW" altLang="en-US" smtClean="0"/>
-              <a:t>2025/1/5</a:t>
+              <a:t>2025/1/6</a:t>
             </a:fld>
             <a:endParaRPr lang="zh-TW" altLang="en-US"/>
           </a:p>
@@ -2124,7 +2129,7 @@
           <a:p>
             <a:fld id="{CA1AE8AC-2A7D-4E70-B7DE-C17D242DA6D2}" type="datetimeFigureOut">
               <a:rPr lang="zh-TW" altLang="en-US" smtClean="0"/>
-              <a:t>2025/1/5</a:t>
+              <a:t>2025/1/6</a:t>
             </a:fld>
             <a:endParaRPr lang="zh-TW" altLang="en-US"/>
           </a:p>
@@ -2536,7 +2541,7 @@
           <a:p>
             <a:fld id="{CA1AE8AC-2A7D-4E70-B7DE-C17D242DA6D2}" type="datetimeFigureOut">
               <a:rPr lang="zh-TW" altLang="en-US" smtClean="0"/>
-              <a:t>2025/1/5</a:t>
+              <a:t>2025/1/6</a:t>
             </a:fld>
             <a:endParaRPr lang="zh-TW" altLang="en-US"/>
           </a:p>
@@ -2677,7 +2682,7 @@
           <a:p>
             <a:fld id="{CA1AE8AC-2A7D-4E70-B7DE-C17D242DA6D2}" type="datetimeFigureOut">
               <a:rPr lang="zh-TW" altLang="en-US" smtClean="0"/>
-              <a:t>2025/1/5</a:t>
+              <a:t>2025/1/6</a:t>
             </a:fld>
             <a:endParaRPr lang="zh-TW" altLang="en-US"/>
           </a:p>
@@ -2790,7 +2795,7 @@
           <a:p>
             <a:fld id="{CA1AE8AC-2A7D-4E70-B7DE-C17D242DA6D2}" type="datetimeFigureOut">
               <a:rPr lang="zh-TW" altLang="en-US" smtClean="0"/>
-              <a:t>2025/1/5</a:t>
+              <a:t>2025/1/6</a:t>
             </a:fld>
             <a:endParaRPr lang="zh-TW" altLang="en-US"/>
           </a:p>
@@ -3101,7 +3106,7 @@
           <a:p>
             <a:fld id="{CA1AE8AC-2A7D-4E70-B7DE-C17D242DA6D2}" type="datetimeFigureOut">
               <a:rPr lang="zh-TW" altLang="en-US" smtClean="0"/>
-              <a:t>2025/1/5</a:t>
+              <a:t>2025/1/6</a:t>
             </a:fld>
             <a:endParaRPr lang="zh-TW" altLang="en-US"/>
           </a:p>
@@ -3389,7 +3394,7 @@
           <a:p>
             <a:fld id="{CA1AE8AC-2A7D-4E70-B7DE-C17D242DA6D2}" type="datetimeFigureOut">
               <a:rPr lang="zh-TW" altLang="en-US" smtClean="0"/>
-              <a:t>2025/1/5</a:t>
+              <a:t>2025/1/6</a:t>
             </a:fld>
             <a:endParaRPr lang="zh-TW" altLang="en-US"/>
           </a:p>
@@ -3630,7 +3635,7 @@
           <a:p>
             <a:fld id="{CA1AE8AC-2A7D-4E70-B7DE-C17D242DA6D2}" type="datetimeFigureOut">
               <a:rPr lang="zh-TW" altLang="en-US" smtClean="0"/>
-              <a:t>2025/1/5</a:t>
+              <a:t>2025/1/6</a:t>
             </a:fld>
             <a:endParaRPr lang="zh-TW" altLang="en-US"/>
           </a:p>
@@ -5422,7 +5427,7 @@
         </p:blipFill>
         <p:spPr>
           <a:xfrm>
-            <a:off x="4749068" y="23475"/>
+            <a:off x="8793524" y="3475005"/>
             <a:ext cx="2191056" cy="419158"/>
           </a:xfrm>
           <a:prstGeom prst="rect">
@@ -5452,7 +5457,7 @@
         </p:blipFill>
         <p:spPr>
           <a:xfrm>
-            <a:off x="8820807" y="3429000"/>
+            <a:off x="4791421" y="13948"/>
             <a:ext cx="1924319" cy="438211"/>
           </a:xfrm>
           <a:prstGeom prst="rect">
@@ -5724,7 +5729,7 @@
                                           </p:stCondLst>
                                         </p:cTn>
                                         <p:tgtEl>
-                                          <p:spTgt spid="41"/>
+                                          <p:spTgt spid="43"/>
                                         </p:tgtEl>
                                         <p:attrNameLst>
                                           <p:attrName>style.visibility</p:attrName>
@@ -5879,7 +5884,7 @@
                                           </p:stCondLst>
                                         </p:cTn>
                                         <p:tgtEl>
-                                          <p:spTgt spid="43"/>
+                                          <p:spTgt spid="41"/>
                                         </p:tgtEl>
                                         <p:attrNameLst>
                                           <p:attrName>style.visibility</p:attrName>
@@ -6356,8 +6361,8 @@
           </a:p>
         </p:txBody>
       </p:sp>
-      <mc:AlternateContent xmlns:mc="http://schemas.openxmlformats.org/markup-compatibility/2006">
-        <mc:Choice xmlns:p14="http://schemas.microsoft.com/office/powerpoint/2010/main" Requires="p14">
+      <mc:AlternateContent xmlns:mc="http://schemas.openxmlformats.org/markup-compatibility/2006" xmlns:p14="http://schemas.microsoft.com/office/powerpoint/2010/main">
+        <mc:Choice Requires="p14">
           <p:contentPart p14:bwMode="auto" r:id="rId6">
             <p14:nvContentPartPr>
               <p14:cNvPr id="21" name="筆跡 20">
@@ -6376,7 +6381,7 @@
             </p14:xfrm>
           </p:contentPart>
         </mc:Choice>
-        <mc:Fallback>
+        <mc:Fallback xmlns="">
           <p:pic>
             <p:nvPicPr>
               <p:cNvPr id="21" name="筆跡 20">
@@ -6407,8 +6412,8 @@
           </p:pic>
         </mc:Fallback>
       </mc:AlternateContent>
-      <mc:AlternateContent xmlns:mc="http://schemas.openxmlformats.org/markup-compatibility/2006">
-        <mc:Choice xmlns:p14="http://schemas.microsoft.com/office/powerpoint/2010/main" Requires="p14">
+      <mc:AlternateContent xmlns:mc="http://schemas.openxmlformats.org/markup-compatibility/2006" xmlns:p14="http://schemas.microsoft.com/office/powerpoint/2010/main">
+        <mc:Choice Requires="p14">
           <p:contentPart p14:bwMode="auto" r:id="rId8">
             <p14:nvContentPartPr>
               <p14:cNvPr id="22" name="筆跡 21">
@@ -6427,7 +6432,7 @@
             </p14:xfrm>
           </p:contentPart>
         </mc:Choice>
-        <mc:Fallback>
+        <mc:Fallback xmlns="">
           <p:pic>
             <p:nvPicPr>
               <p:cNvPr id="22" name="筆跡 21">
@@ -6458,8 +6463,8 @@
           </p:pic>
         </mc:Fallback>
       </mc:AlternateContent>
-      <mc:AlternateContent xmlns:mc="http://schemas.openxmlformats.org/markup-compatibility/2006">
-        <mc:Choice xmlns:p14="http://schemas.microsoft.com/office/powerpoint/2010/main" Requires="p14">
+      <mc:AlternateContent xmlns:mc="http://schemas.openxmlformats.org/markup-compatibility/2006" xmlns:p14="http://schemas.microsoft.com/office/powerpoint/2010/main">
+        <mc:Choice Requires="p14">
           <p:contentPart p14:bwMode="auto" r:id="rId10">
             <p14:nvContentPartPr>
               <p14:cNvPr id="28" name="筆跡 27">
@@ -6478,7 +6483,7 @@
             </p14:xfrm>
           </p:contentPart>
         </mc:Choice>
-        <mc:Fallback>
+        <mc:Fallback xmlns="">
           <p:pic>
             <p:nvPicPr>
               <p:cNvPr id="28" name="筆跡 27">
@@ -6509,8 +6514,8 @@
           </p:pic>
         </mc:Fallback>
       </mc:AlternateContent>
-      <mc:AlternateContent xmlns:mc="http://schemas.openxmlformats.org/markup-compatibility/2006">
-        <mc:Choice xmlns:p14="http://schemas.microsoft.com/office/powerpoint/2010/main" Requires="p14">
+      <mc:AlternateContent xmlns:mc="http://schemas.openxmlformats.org/markup-compatibility/2006" xmlns:p14="http://schemas.microsoft.com/office/powerpoint/2010/main">
+        <mc:Choice Requires="p14">
           <p:contentPart p14:bwMode="auto" r:id="rId12">
             <p14:nvContentPartPr>
               <p14:cNvPr id="29" name="筆跡 28">
@@ -6529,7 +6534,7 @@
             </p14:xfrm>
           </p:contentPart>
         </mc:Choice>
-        <mc:Fallback>
+        <mc:Fallback xmlns="">
           <p:pic>
             <p:nvPicPr>
               <p:cNvPr id="29" name="筆跡 28">
@@ -6560,8 +6565,8 @@
           </p:pic>
         </mc:Fallback>
       </mc:AlternateContent>
-      <mc:AlternateContent xmlns:mc="http://schemas.openxmlformats.org/markup-compatibility/2006">
-        <mc:Choice xmlns:p14="http://schemas.microsoft.com/office/powerpoint/2010/main" Requires="p14">
+      <mc:AlternateContent xmlns:mc="http://schemas.openxmlformats.org/markup-compatibility/2006" xmlns:p14="http://schemas.microsoft.com/office/powerpoint/2010/main">
+        <mc:Choice Requires="p14">
           <p:contentPart p14:bwMode="auto" r:id="rId14">
             <p14:nvContentPartPr>
               <p14:cNvPr id="30" name="筆跡 29">
@@ -6580,7 +6585,7 @@
             </p14:xfrm>
           </p:contentPart>
         </mc:Choice>
-        <mc:Fallback>
+        <mc:Fallback xmlns="">
           <p:pic>
             <p:nvPicPr>
               <p:cNvPr id="30" name="筆跡 29">
@@ -6611,8 +6616,8 @@
           </p:pic>
         </mc:Fallback>
       </mc:AlternateContent>
-      <mc:AlternateContent xmlns:mc="http://schemas.openxmlformats.org/markup-compatibility/2006">
-        <mc:Choice xmlns:p14="http://schemas.microsoft.com/office/powerpoint/2010/main" Requires="p14">
+      <mc:AlternateContent xmlns:mc="http://schemas.openxmlformats.org/markup-compatibility/2006" xmlns:p14="http://schemas.microsoft.com/office/powerpoint/2010/main">
+        <mc:Choice Requires="p14">
           <p:contentPart p14:bwMode="auto" r:id="rId16">
             <p14:nvContentPartPr>
               <p14:cNvPr id="33" name="筆跡 32">
@@ -6631,7 +6636,7 @@
             </p14:xfrm>
           </p:contentPart>
         </mc:Choice>
-        <mc:Fallback>
+        <mc:Fallback xmlns="">
           <p:pic>
             <p:nvPicPr>
               <p:cNvPr id="33" name="筆跡 32">
@@ -6662,8 +6667,8 @@
           </p:pic>
         </mc:Fallback>
       </mc:AlternateContent>
-      <mc:AlternateContent xmlns:mc="http://schemas.openxmlformats.org/markup-compatibility/2006">
-        <mc:Choice xmlns:p14="http://schemas.microsoft.com/office/powerpoint/2010/main" Requires="p14">
+      <mc:AlternateContent xmlns:mc="http://schemas.openxmlformats.org/markup-compatibility/2006" xmlns:p14="http://schemas.microsoft.com/office/powerpoint/2010/main">
+        <mc:Choice Requires="p14">
           <p:contentPart p14:bwMode="auto" r:id="rId18">
             <p14:nvContentPartPr>
               <p14:cNvPr id="35" name="筆跡 34">
@@ -6682,7 +6687,7 @@
             </p14:xfrm>
           </p:contentPart>
         </mc:Choice>
-        <mc:Fallback>
+        <mc:Fallback xmlns="">
           <p:pic>
             <p:nvPicPr>
               <p:cNvPr id="35" name="筆跡 34">
@@ -6713,8 +6718,8 @@
           </p:pic>
         </mc:Fallback>
       </mc:AlternateContent>
-      <mc:AlternateContent xmlns:mc="http://schemas.openxmlformats.org/markup-compatibility/2006">
-        <mc:Choice xmlns:p14="http://schemas.microsoft.com/office/powerpoint/2010/main" Requires="p14">
+      <mc:AlternateContent xmlns:mc="http://schemas.openxmlformats.org/markup-compatibility/2006" xmlns:p14="http://schemas.microsoft.com/office/powerpoint/2010/main">
+        <mc:Choice Requires="p14">
           <p:contentPart p14:bwMode="auto" r:id="rId20">
             <p14:nvContentPartPr>
               <p14:cNvPr id="36" name="筆跡 35">
@@ -6733,7 +6738,7 @@
             </p14:xfrm>
           </p:contentPart>
         </mc:Choice>
-        <mc:Fallback>
+        <mc:Fallback xmlns="">
           <p:pic>
             <p:nvPicPr>
               <p:cNvPr id="36" name="筆跡 35">
@@ -6784,8 +6789,8 @@
             <a:chExt cx="686880" cy="853920"/>
           </a:xfrm>
         </p:grpSpPr>
-        <mc:AlternateContent xmlns:mc="http://schemas.openxmlformats.org/markup-compatibility/2006">
-          <mc:Choice xmlns:p14="http://schemas.microsoft.com/office/powerpoint/2010/main" Requires="p14">
+        <mc:AlternateContent xmlns:mc="http://schemas.openxmlformats.org/markup-compatibility/2006" xmlns:p14="http://schemas.microsoft.com/office/powerpoint/2010/main">
+          <mc:Choice Requires="p14">
             <p:contentPart p14:bwMode="auto" r:id="rId22">
               <p14:nvContentPartPr>
                 <p14:cNvPr id="38" name="筆跡 37">
@@ -6804,7 +6809,7 @@
               </p14:xfrm>
             </p:contentPart>
           </mc:Choice>
-          <mc:Fallback>
+          <mc:Fallback xmlns="">
             <p:pic>
               <p:nvPicPr>
                 <p:cNvPr id="38" name="筆跡 37">
@@ -6835,8 +6840,8 @@
             </p:pic>
           </mc:Fallback>
         </mc:AlternateContent>
-        <mc:AlternateContent xmlns:mc="http://schemas.openxmlformats.org/markup-compatibility/2006">
-          <mc:Choice xmlns:p14="http://schemas.microsoft.com/office/powerpoint/2010/main" Requires="p14">
+        <mc:AlternateContent xmlns:mc="http://schemas.openxmlformats.org/markup-compatibility/2006" xmlns:p14="http://schemas.microsoft.com/office/powerpoint/2010/main">
+          <mc:Choice Requires="p14">
             <p:contentPart p14:bwMode="auto" r:id="rId24">
               <p14:nvContentPartPr>
                 <p14:cNvPr id="39" name="筆跡 38">
@@ -6855,7 +6860,7 @@
               </p14:xfrm>
             </p:contentPart>
           </mc:Choice>
-          <mc:Fallback>
+          <mc:Fallback xmlns="">
             <p:pic>
               <p:nvPicPr>
                 <p:cNvPr id="39" name="筆跡 38">

--- a/視窗程式設計期末.pptx
+++ b/視窗程式設計期末.pptx
@@ -8134,7 +8134,7 @@
         </p:spPr>
         <p:txBody>
           <a:bodyPr>
-            <a:normAutofit fontScale="92500" lnSpcReduction="10000"/>
+            <a:normAutofit fontScale="92500" lnSpcReduction="20000"/>
           </a:bodyPr>
           <a:lstStyle/>
           <a:p>
@@ -8254,6 +8254,25 @@
               </a:rPr>
               <a:t>https://learn.microsoft.com/en-us/windows/win32/api/sysinfoapi/nf-sysinfoapi-globalmemorystatusex</a:t>
             </a:r>
+            <a:endParaRPr lang="en-US" altLang="zh-TW" dirty="0"/>
+          </a:p>
+          <a:p>
+            <a:pPr marL="0" indent="0">
+              <a:buNone/>
+            </a:pPr>
+            <a:br>
+              <a:rPr lang="en-US" altLang="zh-TW" dirty="0"/>
+            </a:br>
+            <a:r>
+              <a:rPr lang="en-US" altLang="zh-TW" dirty="0"/>
+              <a:t>5.chatgpt</a:t>
+            </a:r>
+          </a:p>
+          <a:p>
+            <a:pPr>
+              <a:buFont typeface="+mj-lt"/>
+              <a:buAutoNum type="arabicPeriod"/>
+            </a:pPr>
             <a:endParaRPr lang="en-US" altLang="zh-TW" dirty="0"/>
           </a:p>
           <a:p>

--- a/視窗程式設計期末.pptx
+++ b/視窗程式設計期末.pptx
@@ -8150,19 +8150,49 @@
             </a:pPr>
             <a:r>
               <a:rPr lang="en-US" altLang="zh-TW" dirty="0"/>
-              <a:t>Qt Framework Documentation</a:t>
-            </a:r>
-            <a:br>
-              <a:rPr lang="en-US" altLang="zh-TW" dirty="0"/>
-            </a:br>
+              <a:t>Qt </a:t>
+            </a:r>
             <a:r>
               <a:rPr lang="zh-TW" altLang="en-US" dirty="0"/>
-              <a:t>官方文檔：  </a:t>
-            </a:r>
-            <a:r>
-              <a:rPr lang="en-US" altLang="zh-TW" dirty="0"/>
-              <a:t>https://doc.qt.io/</a:t>
-            </a:r>
+              <a:t>多媒體模塊下載 </a:t>
+            </a:r>
+            <a:r>
+              <a:rPr lang="en-US" altLang="zh-TW" dirty="0">
+                <a:hlinkClick r:id="rId2"/>
+              </a:rPr>
+              <a:t>Qt6.6</a:t>
+            </a:r>
+            <a:r>
+              <a:rPr lang="zh-TW" altLang="en-US" dirty="0">
+                <a:hlinkClick r:id="rId2"/>
+              </a:rPr>
+              <a:t>添加多媒体模块</a:t>
+            </a:r>
+            <a:r>
+              <a:rPr lang="en-US" altLang="zh-TW" dirty="0">
+                <a:hlinkClick r:id="rId2"/>
+              </a:rPr>
+              <a:t>Multimedia</a:t>
+            </a:r>
+            <a:r>
+              <a:rPr lang="zh-TW" altLang="en-US" dirty="0">
+                <a:hlinkClick r:id="rId2"/>
+              </a:rPr>
+              <a:t>报错问题</a:t>
+            </a:r>
+            <a:r>
+              <a:rPr lang="en-US" altLang="zh-TW" dirty="0">
+                <a:hlinkClick r:id="rId2"/>
+              </a:rPr>
+              <a:t>_qt6 multimedia-CSDN</a:t>
+            </a:r>
+            <a:r>
+              <a:rPr lang="zh-TW" altLang="en-US" dirty="0">
+                <a:hlinkClick r:id="rId2"/>
+              </a:rPr>
+              <a:t>博客</a:t>
+            </a:r>
+            <a:endParaRPr lang="en-US" altLang="zh-TW" dirty="0"/>
           </a:p>
           <a:p>
             <a:pPr>
@@ -8182,7 +8212,7 @@
             </a:r>
             <a:r>
               <a:rPr lang="en-US" altLang="zh-TW" dirty="0">
-                <a:hlinkClick r:id="rId2"/>
+                <a:hlinkClick r:id="rId3"/>
               </a:rPr>
               <a:t>https://learn.microsoft.com/en-us/windows/win32/perfctrs/using-the-pdh-functions</a:t>
             </a:r>
@@ -8222,7 +8252,7 @@
             </a:r>
             <a:r>
               <a:rPr lang="en-US" altLang="zh-TW" dirty="0">
-                <a:hlinkClick r:id="rId3"/>
+                <a:hlinkClick r:id="rId4"/>
               </a:rPr>
               <a:t>https://www.qt.io/</a:t>
             </a:r>
@@ -8250,7 +8280,7 @@
             </a:r>
             <a:r>
               <a:rPr lang="en-US" altLang="zh-TW" dirty="0">
-                <a:hlinkClick r:id="rId4"/>
+                <a:hlinkClick r:id="rId5"/>
               </a:rPr>
               <a:t>https://learn.microsoft.com/en-us/windows/win32/api/sysinfoapi/nf-sysinfoapi-globalmemorystatusex</a:t>
             </a:r>

--- a/視窗程式設計期末.pptx
+++ b/視窗程式設計期末.pptx
@@ -484,7 +484,7 @@
           <a:p>
             <a:fld id="{E013691C-8798-4279-96DE-5BDD4CCC38DB}" type="datetimeFigureOut">
               <a:rPr lang="zh-TW" altLang="en-US" smtClean="0"/>
-              <a:t>2025/1/6</a:t>
+              <a:t>2025/1/7</a:t>
             </a:fld>
             <a:endParaRPr lang="zh-TW" altLang="en-US"/>
           </a:p>
@@ -985,7 +985,7 @@
           <a:p>
             <a:fld id="{CA1AE8AC-2A7D-4E70-B7DE-C17D242DA6D2}" type="datetimeFigureOut">
               <a:rPr lang="zh-TW" altLang="en-US" smtClean="0"/>
-              <a:t>2025/1/6</a:t>
+              <a:t>2025/1/7</a:t>
             </a:fld>
             <a:endParaRPr lang="zh-TW" altLang="en-US"/>
           </a:p>
@@ -1183,7 +1183,7 @@
           <a:p>
             <a:fld id="{CA1AE8AC-2A7D-4E70-B7DE-C17D242DA6D2}" type="datetimeFigureOut">
               <a:rPr lang="zh-TW" altLang="en-US" smtClean="0"/>
-              <a:t>2025/1/6</a:t>
+              <a:t>2025/1/7</a:t>
             </a:fld>
             <a:endParaRPr lang="zh-TW" altLang="en-US"/>
           </a:p>
@@ -1391,7 +1391,7 @@
           <a:p>
             <a:fld id="{CA1AE8AC-2A7D-4E70-B7DE-C17D242DA6D2}" type="datetimeFigureOut">
               <a:rPr lang="zh-TW" altLang="en-US" smtClean="0"/>
-              <a:t>2025/1/6</a:t>
+              <a:t>2025/1/7</a:t>
             </a:fld>
             <a:endParaRPr lang="zh-TW" altLang="en-US"/>
           </a:p>
@@ -1589,7 +1589,7 @@
           <a:p>
             <a:fld id="{CA1AE8AC-2A7D-4E70-B7DE-C17D242DA6D2}" type="datetimeFigureOut">
               <a:rPr lang="zh-TW" altLang="en-US" smtClean="0"/>
-              <a:t>2025/1/6</a:t>
+              <a:t>2025/1/7</a:t>
             </a:fld>
             <a:endParaRPr lang="zh-TW" altLang="en-US"/>
           </a:p>
@@ -1864,7 +1864,7 @@
           <a:p>
             <a:fld id="{CA1AE8AC-2A7D-4E70-B7DE-C17D242DA6D2}" type="datetimeFigureOut">
               <a:rPr lang="zh-TW" altLang="en-US" smtClean="0"/>
-              <a:t>2025/1/6</a:t>
+              <a:t>2025/1/7</a:t>
             </a:fld>
             <a:endParaRPr lang="zh-TW" altLang="en-US"/>
           </a:p>
@@ -2129,7 +2129,7 @@
           <a:p>
             <a:fld id="{CA1AE8AC-2A7D-4E70-B7DE-C17D242DA6D2}" type="datetimeFigureOut">
               <a:rPr lang="zh-TW" altLang="en-US" smtClean="0"/>
-              <a:t>2025/1/6</a:t>
+              <a:t>2025/1/7</a:t>
             </a:fld>
             <a:endParaRPr lang="zh-TW" altLang="en-US"/>
           </a:p>
@@ -2541,7 +2541,7 @@
           <a:p>
             <a:fld id="{CA1AE8AC-2A7D-4E70-B7DE-C17D242DA6D2}" type="datetimeFigureOut">
               <a:rPr lang="zh-TW" altLang="en-US" smtClean="0"/>
-              <a:t>2025/1/6</a:t>
+              <a:t>2025/1/7</a:t>
             </a:fld>
             <a:endParaRPr lang="zh-TW" altLang="en-US"/>
           </a:p>
@@ -2682,7 +2682,7 @@
           <a:p>
             <a:fld id="{CA1AE8AC-2A7D-4E70-B7DE-C17D242DA6D2}" type="datetimeFigureOut">
               <a:rPr lang="zh-TW" altLang="en-US" smtClean="0"/>
-              <a:t>2025/1/6</a:t>
+              <a:t>2025/1/7</a:t>
             </a:fld>
             <a:endParaRPr lang="zh-TW" altLang="en-US"/>
           </a:p>
@@ -2795,7 +2795,7 @@
           <a:p>
             <a:fld id="{CA1AE8AC-2A7D-4E70-B7DE-C17D242DA6D2}" type="datetimeFigureOut">
               <a:rPr lang="zh-TW" altLang="en-US" smtClean="0"/>
-              <a:t>2025/1/6</a:t>
+              <a:t>2025/1/7</a:t>
             </a:fld>
             <a:endParaRPr lang="zh-TW" altLang="en-US"/>
           </a:p>
@@ -3106,7 +3106,7 @@
           <a:p>
             <a:fld id="{CA1AE8AC-2A7D-4E70-B7DE-C17D242DA6D2}" type="datetimeFigureOut">
               <a:rPr lang="zh-TW" altLang="en-US" smtClean="0"/>
-              <a:t>2025/1/6</a:t>
+              <a:t>2025/1/7</a:t>
             </a:fld>
             <a:endParaRPr lang="zh-TW" altLang="en-US"/>
           </a:p>
@@ -3394,7 +3394,7 @@
           <a:p>
             <a:fld id="{CA1AE8AC-2A7D-4E70-B7DE-C17D242DA6D2}" type="datetimeFigureOut">
               <a:rPr lang="zh-TW" altLang="en-US" smtClean="0"/>
-              <a:t>2025/1/6</a:t>
+              <a:t>2025/1/7</a:t>
             </a:fld>
             <a:endParaRPr lang="zh-TW" altLang="en-US"/>
           </a:p>
@@ -3635,7 +3635,7 @@
           <a:p>
             <a:fld id="{CA1AE8AC-2A7D-4E70-B7DE-C17D242DA6D2}" type="datetimeFigureOut">
               <a:rPr lang="zh-TW" altLang="en-US" smtClean="0"/>
-              <a:t>2025/1/6</a:t>
+              <a:t>2025/1/7</a:t>
             </a:fld>
             <a:endParaRPr lang="zh-TW" altLang="en-US"/>
           </a:p>
@@ -8134,7 +8134,7 @@
         </p:spPr>
         <p:txBody>
           <a:bodyPr>
-            <a:normAutofit fontScale="92500" lnSpcReduction="20000"/>
+            <a:normAutofit fontScale="92500" lnSpcReduction="10000"/>
           </a:bodyPr>
           <a:lstStyle/>
           <a:p>
@@ -8290,13 +8290,7 @@
             <a:pPr marL="0" indent="0">
               <a:buNone/>
             </a:pPr>
-            <a:br>
-              <a:rPr lang="en-US" altLang="zh-TW" dirty="0"/>
-            </a:br>
-            <a:r>
-              <a:rPr lang="en-US" altLang="zh-TW" dirty="0"/>
-              <a:t>5.chatgpt</a:t>
-            </a:r>
+            <a:endParaRPr lang="en-US" altLang="zh-TW" dirty="0"/>
           </a:p>
           <a:p>
             <a:pPr>
